--- a/Apresetacao-Design-Patterns.pptx
+++ b/Apresetacao-Design-Patterns.pptx
@@ -11763,7 +11763,7 @@
           <a:p>
             <a:fld id="{B2BC7412-AB56-4677-95CB-65FC16269F1B}" type="datetimeFigureOut">
               <a:rPr lang="pt-PT" smtClean="0"/>
-              <a:t>11/04/2025</a:t>
+              <a:t>27/04/2025</a:t>
             </a:fld>
             <a:endParaRPr lang="pt-PT"/>
           </a:p>
@@ -12264,7 +12264,7 @@
           <a:p>
             <a:fld id="{C443D62D-F1BC-4392-9466-8E03078D082F}" type="datetimeFigureOut">
               <a:rPr lang="pt-PT" smtClean="0"/>
-              <a:t>11/04/2025</a:t>
+              <a:t>27/04/2025</a:t>
             </a:fld>
             <a:endParaRPr lang="pt-PT"/>
           </a:p>
@@ -12464,7 +12464,7 @@
           <a:p>
             <a:fld id="{C443D62D-F1BC-4392-9466-8E03078D082F}" type="datetimeFigureOut">
               <a:rPr lang="pt-PT" smtClean="0"/>
-              <a:t>11/04/2025</a:t>
+              <a:t>27/04/2025</a:t>
             </a:fld>
             <a:endParaRPr lang="pt-PT"/>
           </a:p>
@@ -12674,7 +12674,7 @@
           <a:p>
             <a:fld id="{C443D62D-F1BC-4392-9466-8E03078D082F}" type="datetimeFigureOut">
               <a:rPr lang="pt-PT" smtClean="0"/>
-              <a:t>11/04/2025</a:t>
+              <a:t>27/04/2025</a:t>
             </a:fld>
             <a:endParaRPr lang="pt-PT"/>
           </a:p>
@@ -12874,7 +12874,7 @@
           <a:p>
             <a:fld id="{C443D62D-F1BC-4392-9466-8E03078D082F}" type="datetimeFigureOut">
               <a:rPr lang="pt-PT" smtClean="0"/>
-              <a:t>11/04/2025</a:t>
+              <a:t>27/04/2025</a:t>
             </a:fld>
             <a:endParaRPr lang="pt-PT"/>
           </a:p>
@@ -13150,7 +13150,7 @@
           <a:p>
             <a:fld id="{C443D62D-F1BC-4392-9466-8E03078D082F}" type="datetimeFigureOut">
               <a:rPr lang="pt-PT" smtClean="0"/>
-              <a:t>11/04/2025</a:t>
+              <a:t>27/04/2025</a:t>
             </a:fld>
             <a:endParaRPr lang="pt-PT"/>
           </a:p>
@@ -13418,7 +13418,7 @@
           <a:p>
             <a:fld id="{C443D62D-F1BC-4392-9466-8E03078D082F}" type="datetimeFigureOut">
               <a:rPr lang="pt-PT" smtClean="0"/>
-              <a:t>11/04/2025</a:t>
+              <a:t>27/04/2025</a:t>
             </a:fld>
             <a:endParaRPr lang="pt-PT"/>
           </a:p>
@@ -13833,7 +13833,7 @@
           <a:p>
             <a:fld id="{C443D62D-F1BC-4392-9466-8E03078D082F}" type="datetimeFigureOut">
               <a:rPr lang="pt-PT" smtClean="0"/>
-              <a:t>11/04/2025</a:t>
+              <a:t>27/04/2025</a:t>
             </a:fld>
             <a:endParaRPr lang="pt-PT"/>
           </a:p>
@@ -13975,7 +13975,7 @@
           <a:p>
             <a:fld id="{C443D62D-F1BC-4392-9466-8E03078D082F}" type="datetimeFigureOut">
               <a:rPr lang="pt-PT" smtClean="0"/>
-              <a:t>11/04/2025</a:t>
+              <a:t>27/04/2025</a:t>
             </a:fld>
             <a:endParaRPr lang="pt-PT"/>
           </a:p>
@@ -14088,7 +14088,7 @@
           <a:p>
             <a:fld id="{C443D62D-F1BC-4392-9466-8E03078D082F}" type="datetimeFigureOut">
               <a:rPr lang="pt-PT" smtClean="0"/>
-              <a:t>11/04/2025</a:t>
+              <a:t>27/04/2025</a:t>
             </a:fld>
             <a:endParaRPr lang="pt-PT"/>
           </a:p>
@@ -14401,7 +14401,7 @@
           <a:p>
             <a:fld id="{C443D62D-F1BC-4392-9466-8E03078D082F}" type="datetimeFigureOut">
               <a:rPr lang="pt-PT" smtClean="0"/>
-              <a:t>11/04/2025</a:t>
+              <a:t>27/04/2025</a:t>
             </a:fld>
             <a:endParaRPr lang="pt-PT"/>
           </a:p>
@@ -14690,7 +14690,7 @@
           <a:p>
             <a:fld id="{C443D62D-F1BC-4392-9466-8E03078D082F}" type="datetimeFigureOut">
               <a:rPr lang="pt-PT" smtClean="0"/>
-              <a:t>11/04/2025</a:t>
+              <a:t>27/04/2025</a:t>
             </a:fld>
             <a:endParaRPr lang="pt-PT"/>
           </a:p>
@@ -14933,7 +14933,7 @@
           <a:p>
             <a:fld id="{C443D62D-F1BC-4392-9466-8E03078D082F}" type="datetimeFigureOut">
               <a:rPr lang="pt-PT" smtClean="0"/>
-              <a:t>11/04/2025</a:t>
+              <a:t>27/04/2025</a:t>
             </a:fld>
             <a:endParaRPr lang="pt-PT"/>
           </a:p>
